--- a/docs/images/Webhooks.pptx
+++ b/docs/images/Webhooks.pptx
@@ -2951,6 +2951,49 @@
       </p:grpSpPr>
       <p:sp>
         <p:nvSpPr>
+          <p:cNvPr id="19" name="Cylinder 18"/>
+          <p:cNvSpPr/>
+          <p:nvPr/>
+        </p:nvSpPr>
+        <p:spPr>
+          <a:xfrm>
+            <a:off x="4010158" y="5051350"/>
+            <a:ext cx="570449" cy="379570"/>
+          </a:xfrm>
+          <a:prstGeom prst="can">
+            <a:avLst/>
+          </a:prstGeom>
+        </p:spPr>
+        <p:style>
+          <a:lnRef idx="2">
+            <a:schemeClr val="accent1">
+              <a:shade val="50000"/>
+            </a:schemeClr>
+          </a:lnRef>
+          <a:fillRef idx="1">
+            <a:schemeClr val="accent1"/>
+          </a:fillRef>
+          <a:effectRef idx="0">
+            <a:schemeClr val="accent1"/>
+          </a:effectRef>
+          <a:fontRef idx="minor">
+            <a:schemeClr val="lt1"/>
+          </a:fontRef>
+        </p:style>
+        <p:txBody>
+          <a:bodyPr rtlCol="0" anchor="ctr"/>
+          <a:lstStyle/>
+          <a:p>
+            <a:pPr algn="ctr"/>
+            <a:r>
+              <a:rPr lang="en-US" sz="1200" dirty="0"/>
+              <a:t>Cache</a:t>
+            </a:r>
+          </a:p>
+        </p:txBody>
+      </p:sp>
+      <p:sp>
+        <p:nvSpPr>
           <p:cNvPr id="4" name="Rectangle 3"/>
           <p:cNvSpPr/>
           <p:nvPr/>

--- a/docs/images/Webhooks.pptx
+++ b/docs/images/Webhooks.pptx
@@ -242,7 +242,7 @@
           <a:p>
             <a:fld id="{5AB5B4D5-9222-407A-89D1-F2D904E4B81A}" type="datetimeFigureOut">
               <a:rPr lang="en-US" smtClean="0"/>
-              <a:t>2/28/2017</a:t>
+              <a:t>3/2/2017</a:t>
             </a:fld>
             <a:endParaRPr lang="en-US"/>
           </a:p>
@@ -410,7 +410,7 @@
           <a:p>
             <a:fld id="{5AB5B4D5-9222-407A-89D1-F2D904E4B81A}" type="datetimeFigureOut">
               <a:rPr lang="en-US" smtClean="0"/>
-              <a:t>2/28/2017</a:t>
+              <a:t>3/2/2017</a:t>
             </a:fld>
             <a:endParaRPr lang="en-US"/>
           </a:p>
@@ -588,7 +588,7 @@
           <a:p>
             <a:fld id="{5AB5B4D5-9222-407A-89D1-F2D904E4B81A}" type="datetimeFigureOut">
               <a:rPr lang="en-US" smtClean="0"/>
-              <a:t>2/28/2017</a:t>
+              <a:t>3/2/2017</a:t>
             </a:fld>
             <a:endParaRPr lang="en-US"/>
           </a:p>
@@ -756,7 +756,7 @@
           <a:p>
             <a:fld id="{5AB5B4D5-9222-407A-89D1-F2D904E4B81A}" type="datetimeFigureOut">
               <a:rPr lang="en-US" smtClean="0"/>
-              <a:t>2/28/2017</a:t>
+              <a:t>3/2/2017</a:t>
             </a:fld>
             <a:endParaRPr lang="en-US"/>
           </a:p>
@@ -1001,7 +1001,7 @@
           <a:p>
             <a:fld id="{5AB5B4D5-9222-407A-89D1-F2D904E4B81A}" type="datetimeFigureOut">
               <a:rPr lang="en-US" smtClean="0"/>
-              <a:t>2/28/2017</a:t>
+              <a:t>3/2/2017</a:t>
             </a:fld>
             <a:endParaRPr lang="en-US"/>
           </a:p>
@@ -1230,7 +1230,7 @@
           <a:p>
             <a:fld id="{5AB5B4D5-9222-407A-89D1-F2D904E4B81A}" type="datetimeFigureOut">
               <a:rPr lang="en-US" smtClean="0"/>
-              <a:t>2/28/2017</a:t>
+              <a:t>3/2/2017</a:t>
             </a:fld>
             <a:endParaRPr lang="en-US"/>
           </a:p>
@@ -1594,7 +1594,7 @@
           <a:p>
             <a:fld id="{5AB5B4D5-9222-407A-89D1-F2D904E4B81A}" type="datetimeFigureOut">
               <a:rPr lang="en-US" smtClean="0"/>
-              <a:t>2/28/2017</a:t>
+              <a:t>3/2/2017</a:t>
             </a:fld>
             <a:endParaRPr lang="en-US"/>
           </a:p>
@@ -1711,7 +1711,7 @@
           <a:p>
             <a:fld id="{5AB5B4D5-9222-407A-89D1-F2D904E4B81A}" type="datetimeFigureOut">
               <a:rPr lang="en-US" smtClean="0"/>
-              <a:t>2/28/2017</a:t>
+              <a:t>3/2/2017</a:t>
             </a:fld>
             <a:endParaRPr lang="en-US"/>
           </a:p>
@@ -1806,7 +1806,7 @@
           <a:p>
             <a:fld id="{5AB5B4D5-9222-407A-89D1-F2D904E4B81A}" type="datetimeFigureOut">
               <a:rPr lang="en-US" smtClean="0"/>
-              <a:t>2/28/2017</a:t>
+              <a:t>3/2/2017</a:t>
             </a:fld>
             <a:endParaRPr lang="en-US"/>
           </a:p>
@@ -2081,7 +2081,7 @@
           <a:p>
             <a:fld id="{5AB5B4D5-9222-407A-89D1-F2D904E4B81A}" type="datetimeFigureOut">
               <a:rPr lang="en-US" smtClean="0"/>
-              <a:t>2/28/2017</a:t>
+              <a:t>3/2/2017</a:t>
             </a:fld>
             <a:endParaRPr lang="en-US"/>
           </a:p>
@@ -2333,7 +2333,7 @@
           <a:p>
             <a:fld id="{5AB5B4D5-9222-407A-89D1-F2D904E4B81A}" type="datetimeFigureOut">
               <a:rPr lang="en-US" smtClean="0"/>
-              <a:t>2/28/2017</a:t>
+              <a:t>3/2/2017</a:t>
             </a:fld>
             <a:endParaRPr lang="en-US"/>
           </a:p>
@@ -2544,7 +2544,7 @@
           <a:p>
             <a:fld id="{5AB5B4D5-9222-407A-89D1-F2D904E4B81A}" type="datetimeFigureOut">
               <a:rPr lang="en-US" smtClean="0"/>
-              <a:t>2/28/2017</a:t>
+              <a:t>3/2/2017</a:t>
             </a:fld>
             <a:endParaRPr lang="en-US"/>
           </a:p>
@@ -2951,18 +2951,26 @@
       </p:grpSpPr>
       <p:sp>
         <p:nvSpPr>
-          <p:cNvPr id="19" name="Cylinder 18"/>
+          <p:cNvPr id="20" name="Cylinder 19"/>
           <p:cNvSpPr/>
           <p:nvPr/>
         </p:nvSpPr>
         <p:spPr>
           <a:xfrm>
-            <a:off x="4010158" y="5051350"/>
-            <a:ext cx="570449" cy="379570"/>
+            <a:off x="3991943" y="4906026"/>
+            <a:ext cx="798609" cy="662223"/>
           </a:xfrm>
           <a:prstGeom prst="can">
             <a:avLst/>
           </a:prstGeom>
+          <a:solidFill>
+            <a:schemeClr val="accent1"/>
+          </a:solidFill>
+          <a:ln>
+            <a:solidFill>
+              <a:schemeClr val="tx1"/>
+            </a:solidFill>
+          </a:ln>
         </p:spPr>
         <p:style>
           <a:lnRef idx="2">
@@ -2986,7 +2994,21 @@
           <a:p>
             <a:pPr algn="ctr"/>
             <a:r>
-              <a:rPr lang="en-US" sz="1200" dirty="0"/>
+              <a:rPr lang="en-US" sz="1000" dirty="0"/>
+              <a:t>Registered</a:t>
+            </a:r>
+          </a:p>
+          <a:p>
+            <a:pPr algn="ctr"/>
+            <a:r>
+              <a:rPr lang="en-US" sz="1000" dirty="0"/>
+              <a:t>Subscribers</a:t>
+            </a:r>
+          </a:p>
+          <a:p>
+            <a:pPr algn="ctr"/>
+            <a:r>
+              <a:rPr lang="en-US" sz="1000" dirty="0"/>
               <a:t>Cache</a:t>
             </a:r>
           </a:p>
@@ -3267,7 +3289,7 @@
         <p:spPr>
           <a:xfrm>
             <a:off x="427839" y="343949"/>
-            <a:ext cx="4295163" cy="5117284"/>
+            <a:ext cx="4446165" cy="5285064"/>
           </a:xfrm>
           <a:prstGeom prst="rect">
             <a:avLst/>
@@ -3851,6 +3873,73 @@
       </p:grpSpPr>
       <p:sp>
         <p:nvSpPr>
+          <p:cNvPr id="31" name="Cylinder 30"/>
+          <p:cNvSpPr/>
+          <p:nvPr/>
+        </p:nvSpPr>
+        <p:spPr>
+          <a:xfrm>
+            <a:off x="6832684" y="1287036"/>
+            <a:ext cx="798609" cy="662223"/>
+          </a:xfrm>
+          <a:prstGeom prst="can">
+            <a:avLst/>
+          </a:prstGeom>
+          <a:solidFill>
+            <a:schemeClr val="accent2">
+              <a:lumMod val="75000"/>
+            </a:schemeClr>
+          </a:solidFill>
+          <a:ln>
+            <a:solidFill>
+              <a:schemeClr val="tx1"/>
+            </a:solidFill>
+          </a:ln>
+        </p:spPr>
+        <p:style>
+          <a:lnRef idx="2">
+            <a:schemeClr val="accent1">
+              <a:shade val="50000"/>
+            </a:schemeClr>
+          </a:lnRef>
+          <a:fillRef idx="1">
+            <a:schemeClr val="accent1"/>
+          </a:fillRef>
+          <a:effectRef idx="0">
+            <a:schemeClr val="accent1"/>
+          </a:effectRef>
+          <a:fontRef idx="minor">
+            <a:schemeClr val="lt1"/>
+          </a:fontRef>
+        </p:style>
+        <p:txBody>
+          <a:bodyPr rtlCol="0" anchor="ctr"/>
+          <a:lstStyle/>
+          <a:p>
+            <a:pPr algn="ctr"/>
+            <a:r>
+              <a:rPr lang="en-US" sz="1000" dirty="0"/>
+              <a:t>Registered</a:t>
+            </a:r>
+          </a:p>
+          <a:p>
+            <a:pPr algn="ctr"/>
+            <a:r>
+              <a:rPr lang="en-US" sz="1000" dirty="0"/>
+              <a:t>Subscribers</a:t>
+            </a:r>
+          </a:p>
+          <a:p>
+            <a:pPr algn="ctr"/>
+            <a:r>
+              <a:rPr lang="en-US" sz="1000" dirty="0"/>
+              <a:t>Cache</a:t>
+            </a:r>
+          </a:p>
+        </p:txBody>
+      </p:sp>
+      <p:sp>
+        <p:nvSpPr>
           <p:cNvPr id="4" name="Rectangle 3"/>
           <p:cNvSpPr/>
           <p:nvPr/>
@@ -4680,18 +4769,21 @@
           <a:bodyPr rtlCol="0" anchor="t"/>
           <a:lstStyle/>
           <a:p>
+            <a:pPr algn="r"/>
             <a:r>
               <a:rPr lang="en-US" dirty="0"/>
               <a:t>Azure</a:t>
             </a:r>
           </a:p>
           <a:p>
+            <a:pPr algn="r"/>
             <a:r>
               <a:rPr lang="en-US" dirty="0"/>
               <a:t>Worker</a:t>
             </a:r>
           </a:p>
           <a:p>
+            <a:pPr algn="r"/>
             <a:r>
               <a:rPr lang="en-US" dirty="0"/>
               <a:t>Role</a:t>
@@ -4858,7 +4950,7 @@
         </p:nvSpPr>
         <p:spPr>
           <a:xfrm>
-            <a:off x="6309954" y="1673380"/>
+            <a:off x="5299982" y="1687384"/>
             <a:ext cx="829074" cy="276999"/>
           </a:xfrm>
           <a:prstGeom prst="rect">
@@ -4948,7 +5040,7 @@
         </p:blipFill>
         <p:spPr>
           <a:xfrm>
-            <a:off x="6409875" y="1024815"/>
+            <a:off x="5594268" y="1041325"/>
             <a:ext cx="445053" cy="445053"/>
           </a:xfrm>
           <a:prstGeom prst="rect">

--- a/docs/images/Webhooks.pptx
+++ b/docs/images/Webhooks.pptx
@@ -6,7 +6,8 @@
   </p:sldMasterIdLst>
   <p:sldIdLst>
     <p:sldId id="256" r:id="rId2"/>
-    <p:sldId id="257" r:id="rId3"/>
+    <p:sldId id="258" r:id="rId3"/>
+    <p:sldId id="257" r:id="rId4"/>
   </p:sldIdLst>
   <p:sldSz cx="12192000" cy="6858000"/>
   <p:notesSz cx="6858000" cy="9144000"/>
@@ -242,7 +243,7 @@
           <a:p>
             <a:fld id="{5AB5B4D5-9222-407A-89D1-F2D904E4B81A}" type="datetimeFigureOut">
               <a:rPr lang="en-US" smtClean="0"/>
-              <a:t>3/2/2017</a:t>
+              <a:t>3/3/2017</a:t>
             </a:fld>
             <a:endParaRPr lang="en-US"/>
           </a:p>
@@ -410,7 +411,7 @@
           <a:p>
             <a:fld id="{5AB5B4D5-9222-407A-89D1-F2D904E4B81A}" type="datetimeFigureOut">
               <a:rPr lang="en-US" smtClean="0"/>
-              <a:t>3/2/2017</a:t>
+              <a:t>3/3/2017</a:t>
             </a:fld>
             <a:endParaRPr lang="en-US"/>
           </a:p>
@@ -588,7 +589,7 @@
           <a:p>
             <a:fld id="{5AB5B4D5-9222-407A-89D1-F2D904E4B81A}" type="datetimeFigureOut">
               <a:rPr lang="en-US" smtClean="0"/>
-              <a:t>3/2/2017</a:t>
+              <a:t>3/3/2017</a:t>
             </a:fld>
             <a:endParaRPr lang="en-US"/>
           </a:p>
@@ -756,7 +757,7 @@
           <a:p>
             <a:fld id="{5AB5B4D5-9222-407A-89D1-F2D904E4B81A}" type="datetimeFigureOut">
               <a:rPr lang="en-US" smtClean="0"/>
-              <a:t>3/2/2017</a:t>
+              <a:t>3/3/2017</a:t>
             </a:fld>
             <a:endParaRPr lang="en-US"/>
           </a:p>
@@ -1001,7 +1002,7 @@
           <a:p>
             <a:fld id="{5AB5B4D5-9222-407A-89D1-F2D904E4B81A}" type="datetimeFigureOut">
               <a:rPr lang="en-US" smtClean="0"/>
-              <a:t>3/2/2017</a:t>
+              <a:t>3/3/2017</a:t>
             </a:fld>
             <a:endParaRPr lang="en-US"/>
           </a:p>
@@ -1230,7 +1231,7 @@
           <a:p>
             <a:fld id="{5AB5B4D5-9222-407A-89D1-F2D904E4B81A}" type="datetimeFigureOut">
               <a:rPr lang="en-US" smtClean="0"/>
-              <a:t>3/2/2017</a:t>
+              <a:t>3/3/2017</a:t>
             </a:fld>
             <a:endParaRPr lang="en-US"/>
           </a:p>
@@ -1594,7 +1595,7 @@
           <a:p>
             <a:fld id="{5AB5B4D5-9222-407A-89D1-F2D904E4B81A}" type="datetimeFigureOut">
               <a:rPr lang="en-US" smtClean="0"/>
-              <a:t>3/2/2017</a:t>
+              <a:t>3/3/2017</a:t>
             </a:fld>
             <a:endParaRPr lang="en-US"/>
           </a:p>
@@ -1711,7 +1712,7 @@
           <a:p>
             <a:fld id="{5AB5B4D5-9222-407A-89D1-F2D904E4B81A}" type="datetimeFigureOut">
               <a:rPr lang="en-US" smtClean="0"/>
-              <a:t>3/2/2017</a:t>
+              <a:t>3/3/2017</a:t>
             </a:fld>
             <a:endParaRPr lang="en-US"/>
           </a:p>
@@ -1806,7 +1807,7 @@
           <a:p>
             <a:fld id="{5AB5B4D5-9222-407A-89D1-F2D904E4B81A}" type="datetimeFigureOut">
               <a:rPr lang="en-US" smtClean="0"/>
-              <a:t>3/2/2017</a:t>
+              <a:t>3/3/2017</a:t>
             </a:fld>
             <a:endParaRPr lang="en-US"/>
           </a:p>
@@ -2081,7 +2082,7 @@
           <a:p>
             <a:fld id="{5AB5B4D5-9222-407A-89D1-F2D904E4B81A}" type="datetimeFigureOut">
               <a:rPr lang="en-US" smtClean="0"/>
-              <a:t>3/2/2017</a:t>
+              <a:t>3/3/2017</a:t>
             </a:fld>
             <a:endParaRPr lang="en-US"/>
           </a:p>
@@ -2333,7 +2334,7 @@
           <a:p>
             <a:fld id="{5AB5B4D5-9222-407A-89D1-F2D904E4B81A}" type="datetimeFigureOut">
               <a:rPr lang="en-US" smtClean="0"/>
-              <a:t>3/2/2017</a:t>
+              <a:t>3/3/2017</a:t>
             </a:fld>
             <a:endParaRPr lang="en-US"/>
           </a:p>
@@ -2544,7 +2545,7 @@
           <a:p>
             <a:fld id="{5AB5B4D5-9222-407A-89D1-F2D904E4B81A}" type="datetimeFigureOut">
               <a:rPr lang="en-US" smtClean="0"/>
-              <a:t>3/2/2017</a:t>
+              <a:t>3/3/2017</a:t>
             </a:fld>
             <a:endParaRPr lang="en-US"/>
           </a:p>
@@ -2951,26 +2952,18 @@
       </p:grpSpPr>
       <p:sp>
         <p:nvSpPr>
-          <p:cNvPr id="20" name="Cylinder 19"/>
+          <p:cNvPr id="4" name="Rectangle 3"/>
           <p:cNvSpPr/>
           <p:nvPr/>
         </p:nvSpPr>
         <p:spPr>
           <a:xfrm>
-            <a:off x="3991943" y="4906026"/>
-            <a:ext cx="798609" cy="662223"/>
-          </a:xfrm>
-          <a:prstGeom prst="can">
+            <a:off x="629175" y="880844"/>
+            <a:ext cx="1635854" cy="1182848"/>
+          </a:xfrm>
+          <a:prstGeom prst="rect">
             <a:avLst/>
           </a:prstGeom>
-          <a:solidFill>
-            <a:schemeClr val="accent1"/>
-          </a:solidFill>
-          <a:ln>
-            <a:solidFill>
-              <a:schemeClr val="tx1"/>
-            </a:solidFill>
-          </a:ln>
         </p:spPr>
         <p:style>
           <a:lnRef idx="2">
@@ -2989,45 +2982,52 @@
           </a:fontRef>
         </p:style>
         <p:txBody>
-          <a:bodyPr rtlCol="0" anchor="ctr"/>
+          <a:bodyPr rtlCol="0" anchor="t"/>
           <a:lstStyle/>
           <a:p>
             <a:pPr algn="ctr"/>
             <a:r>
-              <a:rPr lang="en-US" sz="1000" dirty="0"/>
-              <a:t>Registered</a:t>
-            </a:r>
+              <a:rPr lang="en-US" dirty="0" err="1"/>
+              <a:t>Webhook</a:t>
+            </a:r>
+            <a:endParaRPr lang="en-US" dirty="0"/>
           </a:p>
           <a:p>
             <a:pPr algn="ctr"/>
             <a:r>
-              <a:rPr lang="en-US" sz="1000" dirty="0"/>
-              <a:t>Subscribers</a:t>
+              <a:rPr lang="en-US" dirty="0"/>
+              <a:t>Subscriptions</a:t>
             </a:r>
           </a:p>
           <a:p>
             <a:pPr algn="ctr"/>
             <a:r>
-              <a:rPr lang="en-US" sz="1000" dirty="0"/>
-              <a:t>Cache</a:t>
-            </a:r>
-          </a:p>
-        </p:txBody>
-      </p:sp>
-      <p:sp>
-        <p:nvSpPr>
-          <p:cNvPr id="4" name="Rectangle 3"/>
+              <a:rPr lang="en-US" dirty="0"/>
+              <a:t>Service</a:t>
+            </a:r>
+          </a:p>
+        </p:txBody>
+      </p:sp>
+      <p:sp>
+        <p:nvSpPr>
+          <p:cNvPr id="5" name="Rectangle 4"/>
           <p:cNvSpPr/>
           <p:nvPr/>
         </p:nvSpPr>
         <p:spPr>
           <a:xfrm>
-            <a:off x="629175" y="880844"/>
-            <a:ext cx="1635854" cy="1182848"/>
+            <a:off x="2382473" y="880844"/>
+            <a:ext cx="2147582" cy="1182849"/>
           </a:xfrm>
           <a:prstGeom prst="rect">
             <a:avLst/>
           </a:prstGeom>
+          <a:solidFill>
+            <a:schemeClr val="accent1">
+              <a:lumMod val="60000"/>
+              <a:lumOff val="40000"/>
+            </a:schemeClr>
+          </a:solidFill>
         </p:spPr>
         <p:style>
           <a:lnRef idx="2">
@@ -3052,38 +3052,33 @@
             <a:pPr algn="ctr"/>
             <a:r>
               <a:rPr lang="en-US" dirty="0"/>
-              <a:t>Subscriptions</a:t>
-            </a:r>
-          </a:p>
-          <a:p>
-            <a:pPr algn="ctr"/>
-            <a:r>
-              <a:rPr lang="en-US" dirty="0"/>
-              <a:t>Service</a:t>
-            </a:r>
-          </a:p>
-        </p:txBody>
-      </p:sp>
-      <p:sp>
-        <p:nvSpPr>
-          <p:cNvPr id="5" name="Rectangle 4"/>
+              <a:t>Your Services</a:t>
+            </a:r>
+          </a:p>
+        </p:txBody>
+      </p:sp>
+      <p:sp>
+        <p:nvSpPr>
+          <p:cNvPr id="6" name="Cylinder 5"/>
           <p:cNvSpPr/>
           <p:nvPr/>
         </p:nvSpPr>
         <p:spPr>
           <a:xfrm>
-            <a:off x="2382473" y="880844"/>
-            <a:ext cx="2147582" cy="1182849"/>
-          </a:xfrm>
-          <a:prstGeom prst="rect">
+            <a:off x="626613" y="2902591"/>
+            <a:ext cx="1283516" cy="805341"/>
+          </a:xfrm>
+          <a:prstGeom prst="can">
             <a:avLst/>
           </a:prstGeom>
           <a:solidFill>
-            <a:schemeClr val="accent1">
-              <a:lumMod val="60000"/>
-              <a:lumOff val="40000"/>
+            <a:schemeClr val="bg2">
+              <a:lumMod val="75000"/>
             </a:schemeClr>
           </a:solidFill>
+          <a:ln>
+            <a:prstDash val="dashDot"/>
+          </a:ln>
         </p:spPr>
         <p:style>
           <a:lnRef idx="2">
@@ -3102,36 +3097,36 @@
           </a:fontRef>
         </p:style>
         <p:txBody>
-          <a:bodyPr rtlCol="0" anchor="t"/>
+          <a:bodyPr rtlCol="0" anchor="ctr"/>
           <a:lstStyle/>
           <a:p>
             <a:pPr algn="ctr"/>
             <a:r>
+              <a:rPr lang="en-US" sz="1200" dirty="0"/>
+              <a:t>Subscriptions</a:t>
+            </a:r>
+          </a:p>
+          <a:p>
+            <a:pPr algn="ctr"/>
+            <a:r>
               <a:rPr lang="en-US" dirty="0"/>
-              <a:t>Other Resource</a:t>
-            </a:r>
-          </a:p>
-          <a:p>
-            <a:pPr algn="ctr"/>
-            <a:r>
-              <a:rPr lang="en-US" dirty="0"/>
-              <a:t>Services</a:t>
-            </a:r>
-          </a:p>
-        </p:txBody>
-      </p:sp>
-      <p:sp>
-        <p:nvSpPr>
-          <p:cNvPr id="6" name="Cylinder 5"/>
+              <a:t>Store</a:t>
+            </a:r>
+          </a:p>
+        </p:txBody>
+      </p:sp>
+      <p:sp>
+        <p:nvSpPr>
+          <p:cNvPr id="7" name="Rectangle 6"/>
           <p:cNvSpPr/>
           <p:nvPr/>
         </p:nvSpPr>
         <p:spPr>
           <a:xfrm>
-            <a:off x="626613" y="2902591"/>
-            <a:ext cx="1283516" cy="805341"/>
-          </a:xfrm>
-          <a:prstGeom prst="can">
+            <a:off x="2869034" y="2533472"/>
+            <a:ext cx="1174459" cy="1174459"/>
+          </a:xfrm>
+          <a:prstGeom prst="rect">
             <a:avLst/>
           </a:prstGeom>
         </p:spPr>
@@ -3157,33 +3152,42 @@
           <a:p>
             <a:pPr algn="ctr"/>
             <a:r>
-              <a:rPr lang="en-US" sz="1200" dirty="0"/>
-              <a:t>Subscriptions</a:t>
-            </a:r>
+              <a:rPr lang="en-US" dirty="0" err="1"/>
+              <a:t>Webhooks</a:t>
+            </a:r>
+            <a:endParaRPr lang="en-US" dirty="0"/>
           </a:p>
           <a:p>
             <a:pPr algn="ctr"/>
             <a:r>
               <a:rPr lang="en-US" dirty="0"/>
-              <a:t>Store</a:t>
-            </a:r>
-          </a:p>
-        </p:txBody>
-      </p:sp>
-      <p:sp>
-        <p:nvSpPr>
-          <p:cNvPr id="7" name="Rectangle 6"/>
+              <a:t>Client</a:t>
+            </a:r>
+          </a:p>
+        </p:txBody>
+      </p:sp>
+      <p:sp>
+        <p:nvSpPr>
+          <p:cNvPr id="8" name="Rectangle 7"/>
           <p:cNvSpPr/>
           <p:nvPr/>
         </p:nvSpPr>
         <p:spPr>
           <a:xfrm>
-            <a:off x="2869034" y="2533472"/>
+            <a:off x="2869033" y="4102217"/>
             <a:ext cx="1174459" cy="1174459"/>
           </a:xfrm>
           <a:prstGeom prst="rect">
             <a:avLst/>
           </a:prstGeom>
+          <a:solidFill>
+            <a:schemeClr val="bg2">
+              <a:lumMod val="75000"/>
+            </a:schemeClr>
+          </a:solidFill>
+          <a:ln>
+            <a:prstDash val="dashDot"/>
+          </a:ln>
         </p:spPr>
         <p:style>
           <a:lnRef idx="2">
@@ -3207,74 +3211,7 @@
           <a:p>
             <a:pPr algn="ctr"/>
             <a:r>
-              <a:rPr lang="en-US" dirty="0" err="1"/>
-              <a:t>Webhooks</a:t>
-            </a:r>
-            <a:endParaRPr lang="en-US" dirty="0"/>
-          </a:p>
-          <a:p>
-            <a:pPr algn="ctr"/>
-            <a:r>
-              <a:rPr lang="en-US" dirty="0"/>
-              <a:t>Client</a:t>
-            </a:r>
-          </a:p>
-        </p:txBody>
-      </p:sp>
-      <p:sp>
-        <p:nvSpPr>
-          <p:cNvPr id="8" name="Rectangle 7"/>
-          <p:cNvSpPr/>
-          <p:nvPr/>
-        </p:nvSpPr>
-        <p:spPr>
-          <a:xfrm>
-            <a:off x="2869033" y="4102217"/>
-            <a:ext cx="1174459" cy="1174459"/>
-          </a:xfrm>
-          <a:prstGeom prst="rect">
-            <a:avLst/>
-          </a:prstGeom>
-          <a:ln w="57150">
-            <a:solidFill>
-              <a:schemeClr val="tx1">
-                <a:lumMod val="95000"/>
-                <a:lumOff val="5000"/>
-              </a:schemeClr>
-            </a:solidFill>
-          </a:ln>
-        </p:spPr>
-        <p:style>
-          <a:lnRef idx="2">
-            <a:schemeClr val="accent1">
-              <a:shade val="50000"/>
-            </a:schemeClr>
-          </a:lnRef>
-          <a:fillRef idx="1">
-            <a:schemeClr val="accent1"/>
-          </a:fillRef>
-          <a:effectRef idx="0">
-            <a:schemeClr val="accent1"/>
-          </a:effectRef>
-          <a:fontRef idx="minor">
-            <a:schemeClr val="lt1"/>
-          </a:fontRef>
-        </p:style>
-        <p:txBody>
-          <a:bodyPr rtlCol="0" anchor="ctr"/>
-          <a:lstStyle/>
-          <a:p>
-            <a:pPr algn="ctr"/>
-            <a:r>
-              <a:rPr lang="en-US" dirty="0" err="1"/>
-              <a:t>AppHost</a:t>
-            </a:r>
-            <a:endParaRPr lang="en-US" dirty="0"/>
-          </a:p>
-          <a:p>
-            <a:pPr algn="ctr"/>
-            <a:r>
-              <a:rPr lang="en-US" dirty="0"/>
+              <a:rPr lang="en-US" sz="1600" dirty="0"/>
               <a:t>Event Sink</a:t>
             </a:r>
           </a:p>
@@ -3361,6 +3298,7 @@
                 <a:lumOff val="5000"/>
               </a:schemeClr>
             </a:solidFill>
+            <a:prstDash val="sysDot"/>
             <a:tailEnd type="triangle"/>
           </a:ln>
         </p:spPr>
@@ -3558,50 +3496,6 @@
           </a:fontRef>
         </p:style>
       </p:cxnSp>
-      <p:cxnSp>
-        <p:nvCxnSpPr>
-          <p:cNvPr id="21" name="Straight Arrow Connector 20"/>
-          <p:cNvCxnSpPr>
-            <a:cxnSpLocks/>
-            <a:stCxn id="8" idx="1"/>
-          </p:cNvCxnSpPr>
-          <p:nvPr/>
-        </p:nvCxnSpPr>
-        <p:spPr>
-          <a:xfrm rot="10800000">
-            <a:off x="1988191" y="2063693"/>
-            <a:ext cx="880842" cy="2625754"/>
-          </a:xfrm>
-          <a:prstGeom prst="bentConnector2">
-            <a:avLst/>
-          </a:prstGeom>
-          <a:ln w="57150">
-            <a:solidFill>
-              <a:schemeClr val="tx1">
-                <a:lumMod val="95000"/>
-                <a:lumOff val="5000"/>
-              </a:schemeClr>
-            </a:solidFill>
-            <a:prstDash val="solid"/>
-            <a:headEnd type="diamond" w="med" len="med"/>
-            <a:tailEnd type="triangle" w="med" len="med"/>
-          </a:ln>
-        </p:spPr>
-        <p:style>
-          <a:lnRef idx="1">
-            <a:schemeClr val="accent1"/>
-          </a:lnRef>
-          <a:fillRef idx="0">
-            <a:schemeClr val="accent1"/>
-          </a:fillRef>
-          <a:effectRef idx="0">
-            <a:schemeClr val="accent1"/>
-          </a:effectRef>
-          <a:fontRef idx="minor">
-            <a:schemeClr val="tx1"/>
-          </a:fontRef>
-        </p:style>
-      </p:cxnSp>
       <p:sp>
         <p:nvSpPr>
           <p:cNvPr id="25" name="TextBox 24"/>
@@ -3610,7 +3504,7 @@
         </p:nvSpPr>
         <p:spPr>
           <a:xfrm>
-            <a:off x="3896263" y="2138321"/>
+            <a:off x="4067027" y="2138320"/>
             <a:ext cx="1900970" cy="461665"/>
           </a:xfrm>
           <a:prstGeom prst="rect">
@@ -3665,7 +3559,7 @@
         <p:spPr>
           <a:xfrm>
             <a:off x="4067027" y="3680090"/>
-            <a:ext cx="1844672" cy="461665"/>
+            <a:ext cx="1844608" cy="461665"/>
           </a:xfrm>
           <a:prstGeom prst="rect">
             <a:avLst/>
@@ -3693,7 +3587,7 @@
             </a:r>
             <a:r>
               <a:rPr lang="en-US" sz="1200" b="1" dirty="0"/>
-              <a:t>Create</a:t>
+              <a:t>Write</a:t>
             </a:r>
             <a:r>
               <a:rPr lang="en-US" sz="1200" dirty="0"/>
@@ -3706,62 +3600,6 @@
             <a:r>
               <a:rPr lang="en-US" sz="1200" dirty="0"/>
               <a:t>, data);</a:t>
-            </a:r>
-          </a:p>
-        </p:txBody>
-      </p:sp>
-      <p:sp>
-        <p:nvSpPr>
-          <p:cNvPr id="27" name="TextBox 26"/>
-          <p:cNvSpPr txBox="1"/>
-          <p:nvPr/>
-        </p:nvSpPr>
-        <p:spPr>
-          <a:xfrm>
-            <a:off x="1295365" y="4768736"/>
-            <a:ext cx="1506118" cy="461665"/>
-          </a:xfrm>
-          <a:prstGeom prst="rect">
-            <a:avLst/>
-          </a:prstGeom>
-          <a:solidFill>
-            <a:schemeClr val="bg1"/>
-          </a:solidFill>
-        </p:spPr>
-        <p:txBody>
-          <a:bodyPr wrap="none" rtlCol="0">
-            <a:spAutoFit/>
-          </a:bodyPr>
-          <a:lstStyle/>
-          <a:p>
-            <a:pPr algn="ctr"/>
-            <a:r>
-              <a:rPr lang="en-US" sz="1200" i="1" dirty="0" err="1"/>
-              <a:t>SubscriptionService</a:t>
-            </a:r>
-            <a:endParaRPr lang="en-US" sz="1200" i="1" dirty="0"/>
-          </a:p>
-          <a:p>
-            <a:pPr algn="ctr"/>
-            <a:r>
-              <a:rPr lang="en-US" sz="1200" dirty="0"/>
-              <a:t>.</a:t>
-            </a:r>
-            <a:r>
-              <a:rPr lang="en-US" sz="1200" b="1" dirty="0"/>
-              <a:t>Search</a:t>
-            </a:r>
-            <a:r>
-              <a:rPr lang="en-US" sz="1200" dirty="0"/>
-              <a:t>(</a:t>
-            </a:r>
-            <a:r>
-              <a:rPr lang="en-US" sz="1200" dirty="0" err="1"/>
-              <a:t>eventName</a:t>
-            </a:r>
-            <a:r>
-              <a:rPr lang="en-US" sz="1200" dirty="0"/>
-              <a:t>);</a:t>
             </a:r>
           </a:p>
         </p:txBody>
@@ -3873,13 +3711,13 @@
       </p:grpSpPr>
       <p:sp>
         <p:nvSpPr>
-          <p:cNvPr id="31" name="Cylinder 30"/>
+          <p:cNvPr id="20" name="Cylinder 19"/>
           <p:cNvSpPr/>
           <p:nvPr/>
         </p:nvSpPr>
         <p:spPr>
           <a:xfrm>
-            <a:off x="6832684" y="1287036"/>
+            <a:off x="3991943" y="4906026"/>
             <a:ext cx="798609" cy="662223"/>
           </a:xfrm>
           <a:prstGeom prst="can">
@@ -3890,7 +3728,7 @@
               <a:lumMod val="75000"/>
             </a:schemeClr>
           </a:solidFill>
-          <a:ln>
+          <a:ln w="38100">
             <a:solidFill>
               <a:schemeClr val="tx1"/>
             </a:solidFill>
@@ -3946,7 +3784,7 @@
         </p:nvSpPr>
         <p:spPr>
           <a:xfrm>
-            <a:off x="629175" y="2164361"/>
+            <a:off x="629175" y="880844"/>
             <a:ext cx="1635854" cy="1182848"/>
           </a:xfrm>
           <a:prstGeom prst="rect">
@@ -3975,6 +3813,14 @@
           <a:p>
             <a:pPr algn="ctr"/>
             <a:r>
+              <a:rPr lang="en-US" dirty="0" err="1"/>
+              <a:t>Webhook</a:t>
+            </a:r>
+            <a:endParaRPr lang="en-US" dirty="0"/>
+          </a:p>
+          <a:p>
+            <a:pPr algn="ctr"/>
+            <a:r>
               <a:rPr lang="en-US" dirty="0"/>
               <a:t>Subscriptions</a:t>
             </a:r>
@@ -3996,7 +3842,7 @@
         </p:nvSpPr>
         <p:spPr>
           <a:xfrm>
-            <a:off x="2382473" y="2164361"/>
+            <a:off x="2382473" y="880844"/>
             <a:ext cx="2147582" cy="1182849"/>
           </a:xfrm>
           <a:prstGeom prst="rect">
@@ -4032,14 +3878,7 @@
             <a:pPr algn="ctr"/>
             <a:r>
               <a:rPr lang="en-US" dirty="0"/>
-              <a:t>Other Resource</a:t>
-            </a:r>
-          </a:p>
-          <a:p>
-            <a:pPr algn="ctr"/>
-            <a:r>
-              <a:rPr lang="en-US" dirty="0"/>
-              <a:t>Services</a:t>
+              <a:t>Your Services</a:t>
             </a:r>
           </a:p>
         </p:txBody>
@@ -4052,12 +3891,22 @@
         </p:nvSpPr>
         <p:spPr>
           <a:xfrm>
-            <a:off x="629175" y="4158266"/>
+            <a:off x="626613" y="2902591"/>
             <a:ext cx="1283516" cy="805341"/>
           </a:xfrm>
           <a:prstGeom prst="can">
             <a:avLst/>
           </a:prstGeom>
+          <a:solidFill>
+            <a:schemeClr val="accent2">
+              <a:lumMod val="75000"/>
+            </a:schemeClr>
+          </a:solidFill>
+          <a:ln w="38100">
+            <a:solidFill>
+              <a:schemeClr val="tx1"/>
+            </a:solidFill>
+          </a:ln>
         </p:spPr>
         <p:style>
           <a:lnRef idx="2">
@@ -4082,7 +3931,7 @@
             <a:pPr algn="ctr"/>
             <a:r>
               <a:rPr lang="en-US" sz="1200" dirty="0"/>
-              <a:t>Subscriptions</a:t>
+              <a:t>Memory</a:t>
             </a:r>
           </a:p>
           <a:p>
@@ -4102,7 +3951,7 @@
         </p:nvSpPr>
         <p:spPr>
           <a:xfrm>
-            <a:off x="2869034" y="3816989"/>
+            <a:off x="2869034" y="2533472"/>
             <a:ext cx="1174459" cy="1174459"/>
           </a:xfrm>
           <a:prstGeom prst="rect">
@@ -4153,18 +4002,20 @@
         </p:nvSpPr>
         <p:spPr>
           <a:xfrm>
-            <a:off x="2869033" y="5385734"/>
+            <a:off x="2869033" y="4102217"/>
             <a:ext cx="1174459" cy="1174459"/>
           </a:xfrm>
           <a:prstGeom prst="rect">
             <a:avLst/>
           </a:prstGeom>
-          <a:ln w="57150">
+          <a:solidFill>
+            <a:schemeClr val="accent2">
+              <a:lumMod val="75000"/>
+            </a:schemeClr>
+          </a:solidFill>
+          <a:ln w="38100">
             <a:solidFill>
-              <a:schemeClr val="tx1">
-                <a:lumMod val="95000"/>
-                <a:lumOff val="5000"/>
-              </a:schemeClr>
+              <a:schemeClr val="tx1"/>
             </a:solidFill>
           </a:ln>
         </p:spPr>
@@ -4190,21 +4041,15 @@
           <a:p>
             <a:pPr algn="ctr"/>
             <a:r>
-              <a:rPr lang="en-US" dirty="0"/>
-              <a:t>Azure</a:t>
-            </a:r>
+              <a:rPr lang="en-US" sz="1600" dirty="0" err="1"/>
+              <a:t>AppHost</a:t>
+            </a:r>
+            <a:endParaRPr lang="en-US" sz="1600" dirty="0"/>
           </a:p>
           <a:p>
             <a:pPr algn="ctr"/>
             <a:r>
-              <a:rPr lang="en-US" dirty="0"/>
-              <a:t>Queue</a:t>
-            </a:r>
-          </a:p>
-          <a:p>
-            <a:pPr algn="ctr"/>
-            <a:r>
-              <a:rPr lang="en-US" dirty="0"/>
+              <a:rPr lang="en-US" sz="1600" dirty="0"/>
               <a:t>Event Sink</a:t>
             </a:r>
           </a:p>
@@ -4218,8 +4063,8 @@
         </p:nvSpPr>
         <p:spPr>
           <a:xfrm>
-            <a:off x="427839" y="1627466"/>
-            <a:ext cx="4295163" cy="5117284"/>
+            <a:off x="427839" y="343949"/>
+            <a:ext cx="4446165" cy="5285064"/>
           </a:xfrm>
           <a:prstGeom prst="rect">
             <a:avLst/>
@@ -4271,15 +4116,15 @@
           <p:cNvPr id="3" name="Straight Arrow Connector 2"/>
           <p:cNvCxnSpPr>
             <a:cxnSpLocks/>
-            <a:stCxn id="19" idx="3"/>
+            <a:stCxn id="8" idx="3"/>
             <a:endCxn id="28" idx="1"/>
           </p:cNvCxnSpPr>
           <p:nvPr/>
         </p:nvCxnSpPr>
         <p:spPr>
           <a:xfrm flipV="1">
-            <a:off x="6896202" y="847284"/>
-            <a:ext cx="3271253" cy="26312"/>
+            <a:off x="4043492" y="4689446"/>
+            <a:ext cx="3338815" cy="1"/>
           </a:xfrm>
           <a:prstGeom prst="straightConnector1">
             <a:avLst/>
@@ -4317,7 +4162,7 @@
         </p:nvSpPr>
         <p:spPr>
           <a:xfrm>
-            <a:off x="7491370" y="519897"/>
+            <a:off x="4706222" y="4362059"/>
             <a:ext cx="2692866" cy="646331"/>
           </a:xfrm>
           <a:prstGeom prst="rect">
@@ -4386,8 +4231,8 @@
         </p:nvCxnSpPr>
         <p:spPr>
           <a:xfrm flipH="1">
-            <a:off x="1270933" y="3347209"/>
-            <a:ext cx="176169" cy="1012392"/>
+            <a:off x="1268371" y="2063692"/>
+            <a:ext cx="178731" cy="1040234"/>
           </a:xfrm>
           <a:prstGeom prst="straightConnector1">
             <a:avLst/>
@@ -4424,7 +4269,7 @@
         </p:nvCxnSpPr>
         <p:spPr>
           <a:xfrm>
-            <a:off x="3456264" y="3347210"/>
+            <a:off x="3456264" y="2063693"/>
             <a:ext cx="0" cy="469779"/>
           </a:xfrm>
           <a:prstGeom prst="straightConnector1">
@@ -4462,6 +4307,962 @@
         </p:nvCxnSpPr>
         <p:spPr>
           <a:xfrm flipH="1">
+            <a:off x="3456263" y="3707931"/>
+            <a:ext cx="1" cy="394286"/>
+          </a:xfrm>
+          <a:prstGeom prst="straightConnector1">
+            <a:avLst/>
+          </a:prstGeom>
+          <a:ln w="57150">
+            <a:headEnd type="diamond" w="med" len="med"/>
+            <a:tailEnd type="triangle" w="med" len="med"/>
+          </a:ln>
+        </p:spPr>
+        <p:style>
+          <a:lnRef idx="1">
+            <a:schemeClr val="accent1"/>
+          </a:lnRef>
+          <a:fillRef idx="0">
+            <a:schemeClr val="accent1"/>
+          </a:fillRef>
+          <a:effectRef idx="0">
+            <a:schemeClr val="accent1"/>
+          </a:effectRef>
+          <a:fontRef idx="minor">
+            <a:schemeClr val="tx1"/>
+          </a:fontRef>
+        </p:style>
+      </p:cxnSp>
+      <p:cxnSp>
+        <p:nvCxnSpPr>
+          <p:cNvPr id="21" name="Straight Arrow Connector 20"/>
+          <p:cNvCxnSpPr>
+            <a:cxnSpLocks/>
+            <a:stCxn id="8" idx="1"/>
+          </p:cNvCxnSpPr>
+          <p:nvPr/>
+        </p:nvCxnSpPr>
+        <p:spPr>
+          <a:xfrm rot="10800000">
+            <a:off x="1988191" y="2063693"/>
+            <a:ext cx="880842" cy="2625754"/>
+          </a:xfrm>
+          <a:prstGeom prst="bentConnector2">
+            <a:avLst/>
+          </a:prstGeom>
+          <a:ln w="57150">
+            <a:solidFill>
+              <a:schemeClr val="tx1">
+                <a:lumMod val="95000"/>
+                <a:lumOff val="5000"/>
+              </a:schemeClr>
+            </a:solidFill>
+            <a:prstDash val="solid"/>
+            <a:headEnd type="diamond" w="med" len="med"/>
+            <a:tailEnd type="triangle" w="med" len="med"/>
+          </a:ln>
+        </p:spPr>
+        <p:style>
+          <a:lnRef idx="1">
+            <a:schemeClr val="accent1"/>
+          </a:lnRef>
+          <a:fillRef idx="0">
+            <a:schemeClr val="accent1"/>
+          </a:fillRef>
+          <a:effectRef idx="0">
+            <a:schemeClr val="accent1"/>
+          </a:effectRef>
+          <a:fontRef idx="minor">
+            <a:schemeClr val="tx1"/>
+          </a:fontRef>
+        </p:style>
+      </p:cxnSp>
+      <p:sp>
+        <p:nvSpPr>
+          <p:cNvPr id="25" name="TextBox 24"/>
+          <p:cNvSpPr txBox="1"/>
+          <p:nvPr/>
+        </p:nvSpPr>
+        <p:spPr>
+          <a:xfrm>
+            <a:off x="4067027" y="2138320"/>
+            <a:ext cx="1900970" cy="461665"/>
+          </a:xfrm>
+          <a:prstGeom prst="rect">
+            <a:avLst/>
+          </a:prstGeom>
+          <a:solidFill>
+            <a:schemeClr val="bg1"/>
+          </a:solidFill>
+        </p:spPr>
+        <p:txBody>
+          <a:bodyPr wrap="none" rtlCol="0">
+            <a:spAutoFit/>
+          </a:bodyPr>
+          <a:lstStyle/>
+          <a:p>
+            <a:r>
+              <a:rPr lang="en-US" sz="1200" i="1" dirty="0" err="1"/>
+              <a:t>IWebhooks</a:t>
+            </a:r>
+            <a:endParaRPr lang="en-US" sz="1200" i="1" dirty="0"/>
+          </a:p>
+          <a:p>
+            <a:r>
+              <a:rPr lang="en-US" sz="1200" dirty="0"/>
+              <a:t>.</a:t>
+            </a:r>
+            <a:r>
+              <a:rPr lang="en-US" sz="1200" b="1" dirty="0"/>
+              <a:t>Publish</a:t>
+            </a:r>
+            <a:r>
+              <a:rPr lang="en-US" sz="1200" dirty="0"/>
+              <a:t>(</a:t>
+            </a:r>
+            <a:r>
+              <a:rPr lang="en-US" sz="1200" dirty="0" err="1"/>
+              <a:t>eventName</a:t>
+            </a:r>
+            <a:r>
+              <a:rPr lang="en-US" sz="1200" dirty="0"/>
+              <a:t>, data);</a:t>
+            </a:r>
+          </a:p>
+        </p:txBody>
+      </p:sp>
+      <p:sp>
+        <p:nvSpPr>
+          <p:cNvPr id="26" name="TextBox 25"/>
+          <p:cNvSpPr txBox="1"/>
+          <p:nvPr/>
+        </p:nvSpPr>
+        <p:spPr>
+          <a:xfrm>
+            <a:off x="4067027" y="3680090"/>
+            <a:ext cx="1844608" cy="461665"/>
+          </a:xfrm>
+          <a:prstGeom prst="rect">
+            <a:avLst/>
+          </a:prstGeom>
+          <a:solidFill>
+            <a:schemeClr val="bg1"/>
+          </a:solidFill>
+        </p:spPr>
+        <p:txBody>
+          <a:bodyPr wrap="none" rtlCol="0">
+            <a:spAutoFit/>
+          </a:bodyPr>
+          <a:lstStyle/>
+          <a:p>
+            <a:r>
+              <a:rPr lang="en-US" sz="1200" i="1" dirty="0" err="1"/>
+              <a:t>IWebhookEventSink</a:t>
+            </a:r>
+            <a:endParaRPr lang="en-US" sz="1200" i="1" dirty="0"/>
+          </a:p>
+          <a:p>
+            <a:r>
+              <a:rPr lang="en-US" sz="1200" dirty="0"/>
+              <a:t>.</a:t>
+            </a:r>
+            <a:r>
+              <a:rPr lang="en-US" sz="1200" b="1" dirty="0"/>
+              <a:t>Write</a:t>
+            </a:r>
+            <a:r>
+              <a:rPr lang="en-US" sz="1200" dirty="0"/>
+              <a:t>(</a:t>
+            </a:r>
+            <a:r>
+              <a:rPr lang="en-US" sz="1200" dirty="0" err="1"/>
+              <a:t>eventName</a:t>
+            </a:r>
+            <a:r>
+              <a:rPr lang="en-US" sz="1200" dirty="0"/>
+              <a:t>, data);</a:t>
+            </a:r>
+          </a:p>
+        </p:txBody>
+      </p:sp>
+      <p:sp>
+        <p:nvSpPr>
+          <p:cNvPr id="27" name="TextBox 26"/>
+          <p:cNvSpPr txBox="1"/>
+          <p:nvPr/>
+        </p:nvSpPr>
+        <p:spPr>
+          <a:xfrm>
+            <a:off x="1295365" y="4768736"/>
+            <a:ext cx="1506118" cy="461665"/>
+          </a:xfrm>
+          <a:prstGeom prst="rect">
+            <a:avLst/>
+          </a:prstGeom>
+          <a:solidFill>
+            <a:schemeClr val="bg1"/>
+          </a:solidFill>
+        </p:spPr>
+        <p:txBody>
+          <a:bodyPr wrap="none" rtlCol="0">
+            <a:spAutoFit/>
+          </a:bodyPr>
+          <a:lstStyle/>
+          <a:p>
+            <a:pPr algn="ctr"/>
+            <a:r>
+              <a:rPr lang="en-US" sz="1200" i="1" dirty="0" err="1"/>
+              <a:t>SubscriptionService</a:t>
+            </a:r>
+            <a:endParaRPr lang="en-US" sz="1200" i="1" dirty="0"/>
+          </a:p>
+          <a:p>
+            <a:pPr algn="ctr"/>
+            <a:r>
+              <a:rPr lang="en-US" sz="1200" dirty="0"/>
+              <a:t>.</a:t>
+            </a:r>
+            <a:r>
+              <a:rPr lang="en-US" sz="1200" b="1" dirty="0"/>
+              <a:t>Search</a:t>
+            </a:r>
+            <a:r>
+              <a:rPr lang="en-US" sz="1200" dirty="0"/>
+              <a:t>(</a:t>
+            </a:r>
+            <a:r>
+              <a:rPr lang="en-US" sz="1200" dirty="0" err="1"/>
+              <a:t>eventName</a:t>
+            </a:r>
+            <a:r>
+              <a:rPr lang="en-US" sz="1200" dirty="0"/>
+              <a:t>);</a:t>
+            </a:r>
+          </a:p>
+        </p:txBody>
+      </p:sp>
+      <p:sp>
+        <p:nvSpPr>
+          <p:cNvPr id="28" name="Flowchart: Multidocument 27"/>
+          <p:cNvSpPr/>
+          <p:nvPr/>
+        </p:nvSpPr>
+        <p:spPr>
+          <a:xfrm>
+            <a:off x="7382307" y="4212248"/>
+            <a:ext cx="1602301" cy="954395"/>
+          </a:xfrm>
+          <a:prstGeom prst="flowChartMultidocument">
+            <a:avLst/>
+          </a:prstGeom>
+        </p:spPr>
+        <p:style>
+          <a:lnRef idx="2">
+            <a:schemeClr val="accent6">
+              <a:shade val="50000"/>
+            </a:schemeClr>
+          </a:lnRef>
+          <a:fillRef idx="1">
+            <a:schemeClr val="accent6"/>
+          </a:fillRef>
+          <a:effectRef idx="0">
+            <a:schemeClr val="accent6"/>
+          </a:effectRef>
+          <a:fontRef idx="minor">
+            <a:schemeClr val="lt1"/>
+          </a:fontRef>
+        </p:style>
+        <p:txBody>
+          <a:bodyPr rtlCol="0" anchor="ctr"/>
+          <a:lstStyle/>
+          <a:p>
+            <a:pPr algn="ctr"/>
+            <a:r>
+              <a:rPr lang="en-US" dirty="0"/>
+              <a:t>Subscriber Endpoints</a:t>
+            </a:r>
+          </a:p>
+        </p:txBody>
+      </p:sp>
+      <p:sp>
+        <p:nvSpPr>
+          <p:cNvPr id="32" name="TextBox 31"/>
+          <p:cNvSpPr txBox="1"/>
+          <p:nvPr/>
+        </p:nvSpPr>
+        <p:spPr>
+          <a:xfrm>
+            <a:off x="0" y="2461486"/>
+            <a:ext cx="1893595" cy="276999"/>
+          </a:xfrm>
+          <a:prstGeom prst="rect">
+            <a:avLst/>
+          </a:prstGeom>
+          <a:solidFill>
+            <a:schemeClr val="bg1"/>
+          </a:solidFill>
+        </p:spPr>
+        <p:txBody>
+          <a:bodyPr wrap="none" rtlCol="0">
+            <a:spAutoFit/>
+          </a:bodyPr>
+          <a:lstStyle/>
+          <a:p>
+            <a:r>
+              <a:rPr lang="en-US" sz="1200" i="1" dirty="0" err="1"/>
+              <a:t>IWebhookSubscriptionStore</a:t>
+            </a:r>
+            <a:endParaRPr lang="en-US" sz="1200" dirty="0"/>
+          </a:p>
+        </p:txBody>
+      </p:sp>
+    </p:spTree>
+    <p:extLst>
+      <p:ext uri="{BB962C8B-B14F-4D97-AF65-F5344CB8AC3E}">
+        <p14:creationId xmlns:p14="http://schemas.microsoft.com/office/powerpoint/2010/main" val="1726610171"/>
+      </p:ext>
+    </p:extLst>
+  </p:cSld>
+  <p:clrMapOvr>
+    <a:masterClrMapping/>
+  </p:clrMapOvr>
+</p:sld>
+</file>
+
+<file path=ppt/slides/slide3.xml><?xml version="1.0" encoding="utf-8"?>
+<p:sld xmlns:a="http://schemas.openxmlformats.org/drawingml/2006/main" xmlns:r="http://schemas.openxmlformats.org/officeDocument/2006/relationships" xmlns:p="http://schemas.openxmlformats.org/presentationml/2006/main">
+  <p:cSld>
+    <p:spTree>
+      <p:nvGrpSpPr>
+        <p:cNvPr id="1" name=""/>
+        <p:cNvGrpSpPr/>
+        <p:nvPr/>
+      </p:nvGrpSpPr>
+      <p:grpSpPr>
+        <a:xfrm>
+          <a:off x="0" y="0"/>
+          <a:ext cx="0" cy="0"/>
+          <a:chOff x="0" y="0"/>
+          <a:chExt cx="0" cy="0"/>
+        </a:xfrm>
+      </p:grpSpPr>
+      <p:sp>
+        <p:nvSpPr>
+          <p:cNvPr id="31" name="Cylinder 30"/>
+          <p:cNvSpPr/>
+          <p:nvPr/>
+        </p:nvSpPr>
+        <p:spPr>
+          <a:xfrm>
+            <a:off x="6832684" y="1287036"/>
+            <a:ext cx="798609" cy="662223"/>
+          </a:xfrm>
+          <a:prstGeom prst="can">
+            <a:avLst/>
+          </a:prstGeom>
+          <a:solidFill>
+            <a:schemeClr val="accent2">
+              <a:lumMod val="75000"/>
+            </a:schemeClr>
+          </a:solidFill>
+          <a:ln>
+            <a:solidFill>
+              <a:schemeClr val="tx1"/>
+            </a:solidFill>
+          </a:ln>
+        </p:spPr>
+        <p:style>
+          <a:lnRef idx="2">
+            <a:schemeClr val="accent1">
+              <a:shade val="50000"/>
+            </a:schemeClr>
+          </a:lnRef>
+          <a:fillRef idx="1">
+            <a:schemeClr val="accent1"/>
+          </a:fillRef>
+          <a:effectRef idx="0">
+            <a:schemeClr val="accent1"/>
+          </a:effectRef>
+          <a:fontRef idx="minor">
+            <a:schemeClr val="lt1"/>
+          </a:fontRef>
+        </p:style>
+        <p:txBody>
+          <a:bodyPr rtlCol="0" anchor="ctr"/>
+          <a:lstStyle/>
+          <a:p>
+            <a:pPr algn="ctr"/>
+            <a:r>
+              <a:rPr lang="en-US" sz="1000" dirty="0"/>
+              <a:t>Registered</a:t>
+            </a:r>
+          </a:p>
+          <a:p>
+            <a:pPr algn="ctr"/>
+            <a:r>
+              <a:rPr lang="en-US" sz="1000" dirty="0"/>
+              <a:t>Subscribers</a:t>
+            </a:r>
+          </a:p>
+          <a:p>
+            <a:pPr algn="ctr"/>
+            <a:r>
+              <a:rPr lang="en-US" sz="1000" dirty="0"/>
+              <a:t>Cache</a:t>
+            </a:r>
+          </a:p>
+        </p:txBody>
+      </p:sp>
+      <p:sp>
+        <p:nvSpPr>
+          <p:cNvPr id="4" name="Rectangle 3"/>
+          <p:cNvSpPr/>
+          <p:nvPr/>
+        </p:nvSpPr>
+        <p:spPr>
+          <a:xfrm>
+            <a:off x="629175" y="2164361"/>
+            <a:ext cx="1635854" cy="1182848"/>
+          </a:xfrm>
+          <a:prstGeom prst="rect">
+            <a:avLst/>
+          </a:prstGeom>
+        </p:spPr>
+        <p:style>
+          <a:lnRef idx="2">
+            <a:schemeClr val="accent1">
+              <a:shade val="50000"/>
+            </a:schemeClr>
+          </a:lnRef>
+          <a:fillRef idx="1">
+            <a:schemeClr val="accent1"/>
+          </a:fillRef>
+          <a:effectRef idx="0">
+            <a:schemeClr val="accent1"/>
+          </a:effectRef>
+          <a:fontRef idx="minor">
+            <a:schemeClr val="lt1"/>
+          </a:fontRef>
+        </p:style>
+        <p:txBody>
+          <a:bodyPr rtlCol="0" anchor="t"/>
+          <a:lstStyle/>
+          <a:p>
+            <a:pPr algn="ctr"/>
+            <a:r>
+              <a:rPr lang="en-US" dirty="0" err="1"/>
+              <a:t>Webhook</a:t>
+            </a:r>
+            <a:endParaRPr lang="en-US" dirty="0"/>
+          </a:p>
+          <a:p>
+            <a:pPr algn="ctr"/>
+            <a:r>
+              <a:rPr lang="en-US" dirty="0"/>
+              <a:t>Subscriptions</a:t>
+            </a:r>
+          </a:p>
+          <a:p>
+            <a:pPr algn="ctr"/>
+            <a:r>
+              <a:rPr lang="en-US" dirty="0"/>
+              <a:t>Service</a:t>
+            </a:r>
+          </a:p>
+        </p:txBody>
+      </p:sp>
+      <p:sp>
+        <p:nvSpPr>
+          <p:cNvPr id="5" name="Rectangle 4"/>
+          <p:cNvSpPr/>
+          <p:nvPr/>
+        </p:nvSpPr>
+        <p:spPr>
+          <a:xfrm>
+            <a:off x="2382473" y="2164361"/>
+            <a:ext cx="2147582" cy="1182849"/>
+          </a:xfrm>
+          <a:prstGeom prst="rect">
+            <a:avLst/>
+          </a:prstGeom>
+          <a:solidFill>
+            <a:schemeClr val="accent1">
+              <a:lumMod val="60000"/>
+              <a:lumOff val="40000"/>
+            </a:schemeClr>
+          </a:solidFill>
+        </p:spPr>
+        <p:style>
+          <a:lnRef idx="2">
+            <a:schemeClr val="accent1">
+              <a:shade val="50000"/>
+            </a:schemeClr>
+          </a:lnRef>
+          <a:fillRef idx="1">
+            <a:schemeClr val="accent1"/>
+          </a:fillRef>
+          <a:effectRef idx="0">
+            <a:schemeClr val="accent1"/>
+          </a:effectRef>
+          <a:fontRef idx="minor">
+            <a:schemeClr val="lt1"/>
+          </a:fontRef>
+        </p:style>
+        <p:txBody>
+          <a:bodyPr rtlCol="0" anchor="t"/>
+          <a:lstStyle/>
+          <a:p>
+            <a:pPr algn="ctr"/>
+            <a:r>
+              <a:rPr lang="en-US" dirty="0"/>
+              <a:t>Your Services</a:t>
+            </a:r>
+          </a:p>
+        </p:txBody>
+      </p:sp>
+      <p:sp>
+        <p:nvSpPr>
+          <p:cNvPr id="6" name="Cylinder 5"/>
+          <p:cNvSpPr/>
+          <p:nvPr/>
+        </p:nvSpPr>
+        <p:spPr>
+          <a:xfrm>
+            <a:off x="629175" y="4158266"/>
+            <a:ext cx="1283516" cy="805341"/>
+          </a:xfrm>
+          <a:prstGeom prst="can">
+            <a:avLst/>
+          </a:prstGeom>
+          <a:solidFill>
+            <a:schemeClr val="accent2">
+              <a:lumMod val="75000"/>
+            </a:schemeClr>
+          </a:solidFill>
+          <a:ln w="57150">
+            <a:solidFill>
+              <a:schemeClr val="tx1">
+                <a:lumMod val="95000"/>
+                <a:lumOff val="5000"/>
+              </a:schemeClr>
+            </a:solidFill>
+          </a:ln>
+        </p:spPr>
+        <p:style>
+          <a:lnRef idx="2">
+            <a:schemeClr val="accent1">
+              <a:shade val="50000"/>
+            </a:schemeClr>
+          </a:lnRef>
+          <a:fillRef idx="1">
+            <a:schemeClr val="accent1"/>
+          </a:fillRef>
+          <a:effectRef idx="0">
+            <a:schemeClr val="accent1"/>
+          </a:effectRef>
+          <a:fontRef idx="minor">
+            <a:schemeClr val="lt1"/>
+          </a:fontRef>
+        </p:style>
+        <p:txBody>
+          <a:bodyPr rtlCol="0" anchor="ctr"/>
+          <a:lstStyle/>
+          <a:p>
+            <a:pPr algn="ctr"/>
+            <a:r>
+              <a:rPr lang="en-US" sz="1200" dirty="0"/>
+              <a:t>Azure Table</a:t>
+            </a:r>
+          </a:p>
+          <a:p>
+            <a:pPr algn="ctr"/>
+            <a:r>
+              <a:rPr lang="en-US" sz="1200" dirty="0"/>
+              <a:t>Subscriptions</a:t>
+            </a:r>
+          </a:p>
+          <a:p>
+            <a:pPr algn="ctr"/>
+            <a:r>
+              <a:rPr lang="en-US" sz="1200" dirty="0"/>
+              <a:t>Store</a:t>
+            </a:r>
+          </a:p>
+        </p:txBody>
+      </p:sp>
+      <p:sp>
+        <p:nvSpPr>
+          <p:cNvPr id="7" name="Rectangle 6"/>
+          <p:cNvSpPr/>
+          <p:nvPr/>
+        </p:nvSpPr>
+        <p:spPr>
+          <a:xfrm>
+            <a:off x="2869034" y="3816989"/>
+            <a:ext cx="1174459" cy="1174459"/>
+          </a:xfrm>
+          <a:prstGeom prst="rect">
+            <a:avLst/>
+          </a:prstGeom>
+        </p:spPr>
+        <p:style>
+          <a:lnRef idx="2">
+            <a:schemeClr val="accent1">
+              <a:shade val="50000"/>
+            </a:schemeClr>
+          </a:lnRef>
+          <a:fillRef idx="1">
+            <a:schemeClr val="accent1"/>
+          </a:fillRef>
+          <a:effectRef idx="0">
+            <a:schemeClr val="accent1"/>
+          </a:effectRef>
+          <a:fontRef idx="minor">
+            <a:schemeClr val="lt1"/>
+          </a:fontRef>
+        </p:style>
+        <p:txBody>
+          <a:bodyPr rtlCol="0" anchor="ctr"/>
+          <a:lstStyle/>
+          <a:p>
+            <a:pPr algn="ctr"/>
+            <a:r>
+              <a:rPr lang="en-US" dirty="0" err="1"/>
+              <a:t>Webhooks</a:t>
+            </a:r>
+            <a:endParaRPr lang="en-US" dirty="0"/>
+          </a:p>
+          <a:p>
+            <a:pPr algn="ctr"/>
+            <a:r>
+              <a:rPr lang="en-US" dirty="0"/>
+              <a:t>Client</a:t>
+            </a:r>
+          </a:p>
+        </p:txBody>
+      </p:sp>
+      <p:sp>
+        <p:nvSpPr>
+          <p:cNvPr id="8" name="Rectangle 7"/>
+          <p:cNvSpPr/>
+          <p:nvPr/>
+        </p:nvSpPr>
+        <p:spPr>
+          <a:xfrm>
+            <a:off x="2869033" y="5385734"/>
+            <a:ext cx="1174459" cy="1174459"/>
+          </a:xfrm>
+          <a:prstGeom prst="rect">
+            <a:avLst/>
+          </a:prstGeom>
+          <a:solidFill>
+            <a:schemeClr val="accent2">
+              <a:lumMod val="75000"/>
+            </a:schemeClr>
+          </a:solidFill>
+          <a:ln w="57150">
+            <a:solidFill>
+              <a:schemeClr val="tx1">
+                <a:lumMod val="95000"/>
+                <a:lumOff val="5000"/>
+              </a:schemeClr>
+            </a:solidFill>
+          </a:ln>
+        </p:spPr>
+        <p:style>
+          <a:lnRef idx="2">
+            <a:schemeClr val="accent1">
+              <a:shade val="50000"/>
+            </a:schemeClr>
+          </a:lnRef>
+          <a:fillRef idx="1">
+            <a:schemeClr val="accent1"/>
+          </a:fillRef>
+          <a:effectRef idx="0">
+            <a:schemeClr val="accent1"/>
+          </a:effectRef>
+          <a:fontRef idx="minor">
+            <a:schemeClr val="lt1"/>
+          </a:fontRef>
+        </p:style>
+        <p:txBody>
+          <a:bodyPr rtlCol="0" anchor="ctr"/>
+          <a:lstStyle/>
+          <a:p>
+            <a:pPr algn="ctr"/>
+            <a:r>
+              <a:rPr lang="en-US" dirty="0"/>
+              <a:t>Azure</a:t>
+            </a:r>
+          </a:p>
+          <a:p>
+            <a:pPr algn="ctr"/>
+            <a:r>
+              <a:rPr lang="en-US" dirty="0"/>
+              <a:t>Queue</a:t>
+            </a:r>
+          </a:p>
+          <a:p>
+            <a:pPr algn="ctr"/>
+            <a:r>
+              <a:rPr lang="en-US" dirty="0"/>
+              <a:t>Event Sink</a:t>
+            </a:r>
+          </a:p>
+        </p:txBody>
+      </p:sp>
+      <p:sp>
+        <p:nvSpPr>
+          <p:cNvPr id="9" name="Rectangle 8"/>
+          <p:cNvSpPr/>
+          <p:nvPr/>
+        </p:nvSpPr>
+        <p:spPr>
+          <a:xfrm>
+            <a:off x="427839" y="1627466"/>
+            <a:ext cx="4295163" cy="5117284"/>
+          </a:xfrm>
+          <a:prstGeom prst="rect">
+            <a:avLst/>
+          </a:prstGeom>
+          <a:noFill/>
+          <a:ln>
+            <a:prstDash val="dash"/>
+          </a:ln>
+        </p:spPr>
+        <p:style>
+          <a:lnRef idx="2">
+            <a:schemeClr val="accent1">
+              <a:shade val="50000"/>
+            </a:schemeClr>
+          </a:lnRef>
+          <a:fillRef idx="1">
+            <a:schemeClr val="accent1"/>
+          </a:fillRef>
+          <a:effectRef idx="0">
+            <a:schemeClr val="accent1"/>
+          </a:effectRef>
+          <a:fontRef idx="minor">
+            <a:schemeClr val="lt1"/>
+          </a:fontRef>
+        </p:style>
+        <p:txBody>
+          <a:bodyPr rtlCol="0" anchor="t"/>
+          <a:lstStyle/>
+          <a:p>
+            <a:pPr algn="ctr"/>
+            <a:r>
+              <a:rPr lang="en-US" dirty="0" err="1">
+                <a:solidFill>
+                  <a:schemeClr val="tx1"/>
+                </a:solidFill>
+              </a:rPr>
+              <a:t>AppHost</a:t>
+            </a:r>
+            <a:endParaRPr lang="en-US" dirty="0">
+              <a:solidFill>
+                <a:schemeClr val="tx1"/>
+              </a:solidFill>
+            </a:endParaRPr>
+          </a:p>
+        </p:txBody>
+      </p:sp>
+      <p:cxnSp>
+        <p:nvCxnSpPr>
+          <p:cNvPr id="3" name="Straight Arrow Connector 2"/>
+          <p:cNvCxnSpPr>
+            <a:cxnSpLocks/>
+            <a:stCxn id="19" idx="3"/>
+            <a:endCxn id="28" idx="1"/>
+          </p:cNvCxnSpPr>
+          <p:nvPr/>
+        </p:nvCxnSpPr>
+        <p:spPr>
+          <a:xfrm flipV="1">
+            <a:off x="6896202" y="847284"/>
+            <a:ext cx="3271253" cy="26312"/>
+          </a:xfrm>
+          <a:prstGeom prst="straightConnector1">
+            <a:avLst/>
+          </a:prstGeom>
+          <a:ln w="57150">
+            <a:solidFill>
+              <a:schemeClr val="tx1">
+                <a:lumMod val="95000"/>
+                <a:lumOff val="5000"/>
+              </a:schemeClr>
+            </a:solidFill>
+            <a:tailEnd type="triangle"/>
+          </a:ln>
+        </p:spPr>
+        <p:style>
+          <a:lnRef idx="1">
+            <a:schemeClr val="accent1"/>
+          </a:lnRef>
+          <a:fillRef idx="0">
+            <a:schemeClr val="accent1"/>
+          </a:fillRef>
+          <a:effectRef idx="0">
+            <a:schemeClr val="accent1"/>
+          </a:effectRef>
+          <a:fontRef idx="minor">
+            <a:schemeClr val="tx1"/>
+          </a:fontRef>
+        </p:style>
+      </p:cxnSp>
+      <p:sp>
+        <p:nvSpPr>
+          <p:cNvPr id="10" name="TextBox 9"/>
+          <p:cNvSpPr txBox="1"/>
+          <p:nvPr/>
+        </p:nvSpPr>
+        <p:spPr>
+          <a:xfrm>
+            <a:off x="7491370" y="519897"/>
+            <a:ext cx="2692866" cy="646331"/>
+          </a:xfrm>
+          <a:prstGeom prst="rect">
+            <a:avLst/>
+          </a:prstGeom>
+          <a:noFill/>
+        </p:spPr>
+        <p:txBody>
+          <a:bodyPr wrap="square" rtlCol="0">
+            <a:spAutoFit/>
+          </a:bodyPr>
+          <a:lstStyle/>
+          <a:p>
+            <a:pPr algn="ctr"/>
+            <a:r>
+              <a:rPr lang="en-US" sz="1200" dirty="0"/>
+              <a:t>HTTP </a:t>
+            </a:r>
+            <a:r>
+              <a:rPr lang="en-US" sz="1200" b="1" dirty="0"/>
+              <a:t>POST </a:t>
+            </a:r>
+            <a:r>
+              <a:rPr lang="en-US" sz="1200" b="1" i="1" dirty="0"/>
+              <a:t>/&lt;</a:t>
+            </a:r>
+            <a:r>
+              <a:rPr lang="en-US" sz="1200" b="1" i="1" dirty="0" err="1"/>
+              <a:t>Subscription.Config.Url</a:t>
+            </a:r>
+            <a:r>
+              <a:rPr lang="en-US" sz="1200" b="1" i="1" dirty="0"/>
+              <a:t>&gt;</a:t>
+            </a:r>
+          </a:p>
+          <a:p>
+            <a:pPr algn="ctr"/>
+            <a:endParaRPr lang="en-US" sz="1200" b="1" i="1" dirty="0"/>
+          </a:p>
+          <a:p>
+            <a:pPr algn="ctr"/>
+            <a:r>
+              <a:rPr lang="en-US" sz="1200" dirty="0"/>
+              <a:t>{ </a:t>
+            </a:r>
+            <a:r>
+              <a:rPr lang="en-US" sz="1200" dirty="0" err="1"/>
+              <a:t>eventName</a:t>
+            </a:r>
+            <a:r>
+              <a:rPr lang="en-US" sz="1200" dirty="0"/>
+              <a:t>, data }</a:t>
+            </a:r>
+          </a:p>
+        </p:txBody>
+      </p:sp>
+      <p:cxnSp>
+        <p:nvCxnSpPr>
+          <p:cNvPr id="12" name="Straight Arrow Connector 11"/>
+          <p:cNvCxnSpPr>
+            <a:cxnSpLocks/>
+            <a:stCxn id="4" idx="2"/>
+            <a:endCxn id="6" idx="0"/>
+          </p:cNvCxnSpPr>
+          <p:nvPr/>
+        </p:nvCxnSpPr>
+        <p:spPr>
+          <a:xfrm flipH="1">
+            <a:off x="1270933" y="3347209"/>
+            <a:ext cx="176169" cy="1012392"/>
+          </a:xfrm>
+          <a:prstGeom prst="straightConnector1">
+            <a:avLst/>
+          </a:prstGeom>
+          <a:ln w="57150">
+            <a:headEnd type="triangle" w="med" len="med"/>
+            <a:tailEnd type="triangle" w="med" len="med"/>
+          </a:ln>
+        </p:spPr>
+        <p:style>
+          <a:lnRef idx="1">
+            <a:schemeClr val="accent1"/>
+          </a:lnRef>
+          <a:fillRef idx="0">
+            <a:schemeClr val="accent1"/>
+          </a:fillRef>
+          <a:effectRef idx="0">
+            <a:schemeClr val="accent1"/>
+          </a:effectRef>
+          <a:fontRef idx="minor">
+            <a:schemeClr val="tx1"/>
+          </a:fontRef>
+        </p:style>
+      </p:cxnSp>
+      <p:cxnSp>
+        <p:nvCxnSpPr>
+          <p:cNvPr id="15" name="Straight Arrow Connector 14"/>
+          <p:cNvCxnSpPr>
+            <a:cxnSpLocks/>
+            <a:stCxn id="5" idx="2"/>
+            <a:endCxn id="7" idx="0"/>
+          </p:cNvCxnSpPr>
+          <p:nvPr/>
+        </p:nvCxnSpPr>
+        <p:spPr>
+          <a:xfrm>
+            <a:off x="3456264" y="3347210"/>
+            <a:ext cx="0" cy="469779"/>
+          </a:xfrm>
+          <a:prstGeom prst="straightConnector1">
+            <a:avLst/>
+          </a:prstGeom>
+          <a:ln w="57150">
+            <a:headEnd type="diamond" w="med" len="med"/>
+            <a:tailEnd type="triangle" w="med" len="med"/>
+          </a:ln>
+        </p:spPr>
+        <p:style>
+          <a:lnRef idx="1">
+            <a:schemeClr val="accent1"/>
+          </a:lnRef>
+          <a:fillRef idx="0">
+            <a:schemeClr val="accent1"/>
+          </a:fillRef>
+          <a:effectRef idx="0">
+            <a:schemeClr val="accent1"/>
+          </a:effectRef>
+          <a:fontRef idx="minor">
+            <a:schemeClr val="tx1"/>
+          </a:fontRef>
+        </p:style>
+      </p:cxnSp>
+      <p:cxnSp>
+        <p:nvCxnSpPr>
+          <p:cNvPr id="18" name="Straight Arrow Connector 17"/>
+          <p:cNvCxnSpPr>
+            <a:cxnSpLocks/>
+            <a:stCxn id="7" idx="2"/>
+            <a:endCxn id="8" idx="0"/>
+          </p:cNvCxnSpPr>
+          <p:nvPr/>
+        </p:nvCxnSpPr>
+        <p:spPr>
+          <a:xfrm flipH="1">
             <a:off x="3456263" y="4991448"/>
             <a:ext cx="1" cy="394286"/>
           </a:xfrm>
@@ -4541,7 +5342,7 @@
         </p:nvSpPr>
         <p:spPr>
           <a:xfrm>
-            <a:off x="3896263" y="3421838"/>
+            <a:off x="4072422" y="3433236"/>
             <a:ext cx="1900970" cy="461665"/>
           </a:xfrm>
           <a:prstGeom prst="rect">
@@ -4596,7 +5397,7 @@
         <p:spPr>
           <a:xfrm>
             <a:off x="4067027" y="4963607"/>
-            <a:ext cx="1844672" cy="461665"/>
+            <a:ext cx="1787477" cy="461665"/>
           </a:xfrm>
           <a:prstGeom prst="rect">
             <a:avLst/>
@@ -4624,7 +5425,7 @@
             </a:r>
             <a:r>
               <a:rPr lang="en-US" sz="1200" b="1" dirty="0"/>
-              <a:t>Create</a:t>
+              <a:t>Write</a:t>
             </a:r>
             <a:r>
               <a:rPr lang="en-US" sz="1200" dirty="0"/>

--- a/docs/images/Webhooks.pptx
+++ b/docs/images/Webhooks.pptx
@@ -243,7 +243,7 @@
           <a:p>
             <a:fld id="{5AB5B4D5-9222-407A-89D1-F2D904E4B81A}" type="datetimeFigureOut">
               <a:rPr lang="en-US" smtClean="0"/>
-              <a:t>3/3/2017</a:t>
+              <a:t>3/9/2017</a:t>
             </a:fld>
             <a:endParaRPr lang="en-US"/>
           </a:p>
@@ -411,7 +411,7 @@
           <a:p>
             <a:fld id="{5AB5B4D5-9222-407A-89D1-F2D904E4B81A}" type="datetimeFigureOut">
               <a:rPr lang="en-US" smtClean="0"/>
-              <a:t>3/3/2017</a:t>
+              <a:t>3/9/2017</a:t>
             </a:fld>
             <a:endParaRPr lang="en-US"/>
           </a:p>
@@ -589,7 +589,7 @@
           <a:p>
             <a:fld id="{5AB5B4D5-9222-407A-89D1-F2D904E4B81A}" type="datetimeFigureOut">
               <a:rPr lang="en-US" smtClean="0"/>
-              <a:t>3/3/2017</a:t>
+              <a:t>3/9/2017</a:t>
             </a:fld>
             <a:endParaRPr lang="en-US"/>
           </a:p>
@@ -757,7 +757,7 @@
           <a:p>
             <a:fld id="{5AB5B4D5-9222-407A-89D1-F2D904E4B81A}" type="datetimeFigureOut">
               <a:rPr lang="en-US" smtClean="0"/>
-              <a:t>3/3/2017</a:t>
+              <a:t>3/9/2017</a:t>
             </a:fld>
             <a:endParaRPr lang="en-US"/>
           </a:p>
@@ -1002,7 +1002,7 @@
           <a:p>
             <a:fld id="{5AB5B4D5-9222-407A-89D1-F2D904E4B81A}" type="datetimeFigureOut">
               <a:rPr lang="en-US" smtClean="0"/>
-              <a:t>3/3/2017</a:t>
+              <a:t>3/9/2017</a:t>
             </a:fld>
             <a:endParaRPr lang="en-US"/>
           </a:p>
@@ -1231,7 +1231,7 @@
           <a:p>
             <a:fld id="{5AB5B4D5-9222-407A-89D1-F2D904E4B81A}" type="datetimeFigureOut">
               <a:rPr lang="en-US" smtClean="0"/>
-              <a:t>3/3/2017</a:t>
+              <a:t>3/9/2017</a:t>
             </a:fld>
             <a:endParaRPr lang="en-US"/>
           </a:p>
@@ -1595,7 +1595,7 @@
           <a:p>
             <a:fld id="{5AB5B4D5-9222-407A-89D1-F2D904E4B81A}" type="datetimeFigureOut">
               <a:rPr lang="en-US" smtClean="0"/>
-              <a:t>3/3/2017</a:t>
+              <a:t>3/9/2017</a:t>
             </a:fld>
             <a:endParaRPr lang="en-US"/>
           </a:p>
@@ -1712,7 +1712,7 @@
           <a:p>
             <a:fld id="{5AB5B4D5-9222-407A-89D1-F2D904E4B81A}" type="datetimeFigureOut">
               <a:rPr lang="en-US" smtClean="0"/>
-              <a:t>3/3/2017</a:t>
+              <a:t>3/9/2017</a:t>
             </a:fld>
             <a:endParaRPr lang="en-US"/>
           </a:p>
@@ -1807,7 +1807,7 @@
           <a:p>
             <a:fld id="{5AB5B4D5-9222-407A-89D1-F2D904E4B81A}" type="datetimeFigureOut">
               <a:rPr lang="en-US" smtClean="0"/>
-              <a:t>3/3/2017</a:t>
+              <a:t>3/9/2017</a:t>
             </a:fld>
             <a:endParaRPr lang="en-US"/>
           </a:p>
@@ -2082,7 +2082,7 @@
           <a:p>
             <a:fld id="{5AB5B4D5-9222-407A-89D1-F2D904E4B81A}" type="datetimeFigureOut">
               <a:rPr lang="en-US" smtClean="0"/>
-              <a:t>3/3/2017</a:t>
+              <a:t>3/9/2017</a:t>
             </a:fld>
             <a:endParaRPr lang="en-US"/>
           </a:p>
@@ -2334,7 +2334,7 @@
           <a:p>
             <a:fld id="{5AB5B4D5-9222-407A-89D1-F2D904E4B81A}" type="datetimeFigureOut">
               <a:rPr lang="en-US" smtClean="0"/>
-              <a:t>3/3/2017</a:t>
+              <a:t>3/9/2017</a:t>
             </a:fld>
             <a:endParaRPr lang="en-US"/>
           </a:p>
@@ -2545,7 +2545,7 @@
           <a:p>
             <a:fld id="{5AB5B4D5-9222-407A-89D1-F2D904E4B81A}" type="datetimeFigureOut">
               <a:rPr lang="en-US" smtClean="0"/>
-              <a:t>3/3/2017</a:t>
+              <a:t>3/9/2017</a:t>
             </a:fld>
             <a:endParaRPr lang="en-US"/>
           </a:p>
@@ -3505,7 +3505,7 @@
         <p:spPr>
           <a:xfrm>
             <a:off x="4067027" y="2138320"/>
-            <a:ext cx="1900970" cy="461665"/>
+            <a:ext cx="2585901" cy="276999"/>
           </a:xfrm>
           <a:prstGeom prst="rect">
             <a:avLst/>
@@ -3524,15 +3524,12 @@
               <a:rPr lang="en-US" sz="1200" i="1" dirty="0" err="1"/>
               <a:t>IWebhooks</a:t>
             </a:r>
-            <a:endParaRPr lang="en-US" sz="1200" i="1" dirty="0"/>
-          </a:p>
-          <a:p>
-            <a:r>
-              <a:rPr lang="en-US" sz="1200" dirty="0"/>
+            <a:r>
+              <a:rPr lang="en-US" sz="1200" dirty="0" err="1"/>
               <a:t>.</a:t>
             </a:r>
             <a:r>
-              <a:rPr lang="en-US" sz="1200" b="1" dirty="0"/>
+              <a:rPr lang="en-US" sz="1200" b="1" dirty="0" err="1"/>
               <a:t>Publish</a:t>
             </a:r>
             <a:r>
@@ -3558,8 +3555,8 @@
         </p:nvSpPr>
         <p:spPr>
           <a:xfrm>
-            <a:off x="4067027" y="3680090"/>
-            <a:ext cx="1844608" cy="461665"/>
+            <a:off x="4067026" y="3680090"/>
+            <a:ext cx="2417659" cy="276999"/>
           </a:xfrm>
           <a:prstGeom prst="rect">
             <a:avLst/>
@@ -3569,24 +3566,21 @@
           </a:solidFill>
         </p:spPr>
         <p:txBody>
-          <a:bodyPr wrap="none" rtlCol="0">
+          <a:bodyPr wrap="square" rtlCol="0">
             <a:spAutoFit/>
           </a:bodyPr>
           <a:lstStyle/>
           <a:p>
             <a:r>
               <a:rPr lang="en-US" sz="1200" i="1" dirty="0" err="1"/>
-              <a:t>IWebhookEventSink</a:t>
-            </a:r>
-            <a:endParaRPr lang="en-US" sz="1200" i="1" dirty="0"/>
-          </a:p>
-          <a:p>
-            <a:r>
-              <a:rPr lang="en-US" sz="1200" dirty="0"/>
+              <a:t>IEventSink</a:t>
+            </a:r>
+            <a:r>
+              <a:rPr lang="en-US" sz="1200" dirty="0" err="1"/>
               <a:t>.</a:t>
             </a:r>
             <a:r>
-              <a:rPr lang="en-US" sz="1200" b="1" dirty="0"/>
+              <a:rPr lang="en-US" sz="1200" b="1" dirty="0" err="1"/>
               <a:t>Write</a:t>
             </a:r>
             <a:r>
@@ -3656,7 +3650,7 @@
         <p:spPr>
           <a:xfrm>
             <a:off x="0" y="2461486"/>
-            <a:ext cx="1893595" cy="276999"/>
+            <a:ext cx="1305037" cy="276999"/>
           </a:xfrm>
           <a:prstGeom prst="rect">
             <a:avLst/>
@@ -3673,7 +3667,7 @@
           <a:p>
             <a:r>
               <a:rPr lang="en-US" sz="1200" i="1" dirty="0" err="1"/>
-              <a:t>IWebhookSubscriptionStore</a:t>
+              <a:t>ISubscriptionStore</a:t>
             </a:r>
             <a:endParaRPr lang="en-US" sz="1200" dirty="0"/>
           </a:p>
@@ -4386,7 +4380,7 @@
         <p:spPr>
           <a:xfrm>
             <a:off x="4067027" y="2138320"/>
-            <a:ext cx="1900970" cy="461665"/>
+            <a:ext cx="2585901" cy="276999"/>
           </a:xfrm>
           <a:prstGeom prst="rect">
             <a:avLst/>
@@ -4405,15 +4399,12 @@
               <a:rPr lang="en-US" sz="1200" i="1" dirty="0" err="1"/>
               <a:t>IWebhooks</a:t>
             </a:r>
-            <a:endParaRPr lang="en-US" sz="1200" i="1" dirty="0"/>
-          </a:p>
-          <a:p>
-            <a:r>
-              <a:rPr lang="en-US" sz="1200" dirty="0"/>
+            <a:r>
+              <a:rPr lang="en-US" sz="1200" dirty="0" err="1"/>
               <a:t>.</a:t>
             </a:r>
             <a:r>
-              <a:rPr lang="en-US" sz="1200" b="1" dirty="0"/>
+              <a:rPr lang="en-US" sz="1200" b="1" dirty="0" err="1"/>
               <a:t>Publish</a:t>
             </a:r>
             <a:r>
@@ -4440,7 +4431,7 @@
         <p:spPr>
           <a:xfrm>
             <a:off x="4067027" y="3680090"/>
-            <a:ext cx="1844608" cy="461665"/>
+            <a:ext cx="2422073" cy="276999"/>
           </a:xfrm>
           <a:prstGeom prst="rect">
             <a:avLst/>
@@ -4457,17 +4448,14 @@
           <a:p>
             <a:r>
               <a:rPr lang="en-US" sz="1200" i="1" dirty="0" err="1"/>
-              <a:t>IWebhookEventSink</a:t>
-            </a:r>
-            <a:endParaRPr lang="en-US" sz="1200" i="1" dirty="0"/>
-          </a:p>
-          <a:p>
-            <a:r>
-              <a:rPr lang="en-US" sz="1200" dirty="0"/>
+              <a:t>IEventSink</a:t>
+            </a:r>
+            <a:r>
+              <a:rPr lang="en-US" sz="1200" dirty="0" err="1"/>
               <a:t>.</a:t>
             </a:r>
             <a:r>
-              <a:rPr lang="en-US" sz="1200" b="1" dirty="0"/>
+              <a:rPr lang="en-US" sz="1200" b="1" dirty="0" err="1"/>
               <a:t>Write</a:t>
             </a:r>
             <a:r>
@@ -4493,8 +4481,8 @@
         </p:nvSpPr>
         <p:spPr>
           <a:xfrm>
-            <a:off x="1295365" y="4768736"/>
-            <a:ext cx="1506118" cy="461665"/>
+            <a:off x="1113757" y="4768736"/>
+            <a:ext cx="1701556" cy="1015663"/>
           </a:xfrm>
           <a:prstGeom prst="rect">
             <a:avLst/>
@@ -4537,6 +4525,33 @@
             <a:r>
               <a:rPr lang="en-US" sz="1200" dirty="0"/>
               <a:t>);</a:t>
+            </a:r>
+          </a:p>
+          <a:p>
+            <a:pPr algn="ctr"/>
+            <a:endParaRPr lang="en-US" sz="1200" dirty="0"/>
+          </a:p>
+          <a:p>
+            <a:pPr algn="ctr"/>
+            <a:r>
+              <a:rPr lang="en-US" sz="1200" i="1" dirty="0" err="1"/>
+              <a:t>SubscriptionService</a:t>
+            </a:r>
+            <a:endParaRPr lang="en-US" sz="1200" i="1" dirty="0"/>
+          </a:p>
+          <a:p>
+            <a:pPr algn="ctr"/>
+            <a:r>
+              <a:rPr lang="en-US" sz="1200" dirty="0"/>
+              <a:t>.</a:t>
+            </a:r>
+            <a:r>
+              <a:rPr lang="en-US" sz="1200" b="1" dirty="0" err="1"/>
+              <a:t>UpdateResults</a:t>
+            </a:r>
+            <a:r>
+              <a:rPr lang="en-US" sz="1200" dirty="0"/>
+              <a:t>(results);</a:t>
             </a:r>
           </a:p>
         </p:txBody>
@@ -4593,7 +4608,7 @@
         <p:spPr>
           <a:xfrm>
             <a:off x="0" y="2461486"/>
-            <a:ext cx="1893595" cy="276999"/>
+            <a:ext cx="1305037" cy="276999"/>
           </a:xfrm>
           <a:prstGeom prst="rect">
             <a:avLst/>
@@ -4610,7 +4625,7 @@
           <a:p>
             <a:r>
               <a:rPr lang="en-US" sz="1200" i="1" dirty="0" err="1"/>
-              <a:t>IWebhookSubscriptionStore</a:t>
+              <a:t>ISubscriptionStore</a:t>
             </a:r>
             <a:endParaRPr lang="en-US" sz="1200" dirty="0"/>
           </a:p>
@@ -5414,7 +5429,7 @@
           <a:p>
             <a:r>
               <a:rPr lang="en-US" sz="1200" i="1" dirty="0" err="1"/>
-              <a:t>IWebhookEventSink</a:t>
+              <a:t>IEventSink</a:t>
             </a:r>
             <a:endParaRPr lang="en-US" sz="1200" i="1" dirty="0"/>
           </a:p>
@@ -5863,7 +5878,7 @@
         <p:spPr>
           <a:xfrm>
             <a:off x="-3975" y="3652670"/>
-            <a:ext cx="1893595" cy="276999"/>
+            <a:ext cx="1305037" cy="276999"/>
           </a:xfrm>
           <a:prstGeom prst="rect">
             <a:avLst/>
@@ -5880,7 +5895,40 @@
           <a:p>
             <a:r>
               <a:rPr lang="en-US" sz="1200" i="1" dirty="0" err="1"/>
-              <a:t>IWebhookSubscriptionStore</a:t>
+              <a:t>ISubscriptionStore</a:t>
+            </a:r>
+            <a:endParaRPr lang="en-US" sz="1200" dirty="0"/>
+          </a:p>
+        </p:txBody>
+      </p:sp>
+      <p:sp>
+        <p:nvSpPr>
+          <p:cNvPr id="35" name="TextBox 34"/>
+          <p:cNvSpPr txBox="1"/>
+          <p:nvPr/>
+        </p:nvSpPr>
+        <p:spPr>
+          <a:xfrm>
+            <a:off x="2821609" y="947597"/>
+            <a:ext cx="2185663" cy="276999"/>
+          </a:xfrm>
+          <a:prstGeom prst="rect">
+            <a:avLst/>
+          </a:prstGeom>
+          <a:solidFill>
+            <a:schemeClr val="bg1"/>
+          </a:solidFill>
+        </p:spPr>
+        <p:txBody>
+          <a:bodyPr wrap="none" rtlCol="0">
+            <a:spAutoFit/>
+          </a:bodyPr>
+          <a:lstStyle/>
+          <a:p>
+            <a:pPr algn="ctr"/>
+            <a:r>
+              <a:rPr lang="en-US" sz="1200" i="1" dirty="0"/>
+              <a:t>HTTP PUT /subscriptions/history</a:t>
             </a:r>
             <a:endParaRPr lang="en-US" sz="1200" dirty="0"/>
           </a:p>
